--- a/stick-figure/stick-figure-help.pptx
+++ b/stick-figure/stick-figure-help.pptx
@@ -19,8 +19,8 @@
     <p:sldId id="270" r:id="rId13"/>
     <p:sldId id="273" r:id="rId14"/>
     <p:sldId id="277" r:id="rId15"/>
-    <p:sldId id="274" r:id="rId16"/>
-    <p:sldId id="276" r:id="rId17"/>
+    <p:sldId id="276" r:id="rId16"/>
+    <p:sldId id="279" r:id="rId17"/>
   </p:sldIdLst>
   <p:sldSz cx="12192000" cy="6858000"/>
   <p:notesSz cx="6858000" cy="9144000"/>
@@ -1628,103 +1628,6 @@
   <p:cSld>
     <p:spTree>
       <p:nvGrpSpPr>
-        <p:cNvPr id="1" name=""/>
-        <p:cNvGrpSpPr/>
-        <p:nvPr/>
-      </p:nvGrpSpPr>
-      <p:grpSpPr>
-        <a:xfrm>
-          <a:off x="0" y="0"/>
-          <a:ext cx="0" cy="0"/>
-          <a:chOff x="0" y="0"/>
-          <a:chExt cx="0" cy="0"/>
-        </a:xfrm>
-      </p:grpSpPr>
-      <p:pic>
-        <p:nvPicPr>
-          <p:cNvPr id="3" name="図 2">
-            <a:extLst>
-              <a:ext uri="{FF2B5EF4-FFF2-40B4-BE49-F238E27FC236}">
-                <a16:creationId xmlns:a16="http://schemas.microsoft.com/office/drawing/2014/main" id="{38C4DBC0-D1A5-B952-5429-3F71BF5B63AD}"/>
-              </a:ext>
-            </a:extLst>
-          </p:cNvPr>
-          <p:cNvPicPr>
-            <a:picLocks noChangeAspect="1"/>
-          </p:cNvPicPr>
-          <p:nvPr/>
-        </p:nvPicPr>
-        <p:blipFill>
-          <a:blip r:embed="rId2"/>
-          <a:stretch>
-            <a:fillRect/>
-          </a:stretch>
-        </p:blipFill>
-        <p:spPr>
-          <a:xfrm>
-            <a:off x="4290280" y="1868438"/>
-            <a:ext cx="3611440" cy="4168091"/>
-          </a:xfrm>
-          <a:prstGeom prst="rect">
-            <a:avLst/>
-          </a:prstGeom>
-        </p:spPr>
-      </p:pic>
-      <p:sp>
-        <p:nvSpPr>
-          <p:cNvPr id="4" name="テキスト ボックス 3">
-            <a:extLst>
-              <a:ext uri="{FF2B5EF4-FFF2-40B4-BE49-F238E27FC236}">
-                <a16:creationId xmlns:a16="http://schemas.microsoft.com/office/drawing/2014/main" id="{C9345FBA-1338-81E1-A7C5-46D40678B3C5}"/>
-              </a:ext>
-            </a:extLst>
-          </p:cNvPr>
-          <p:cNvSpPr txBox="1"/>
-          <p:nvPr/>
-        </p:nvSpPr>
-        <p:spPr>
-          <a:xfrm>
-            <a:off x="4162817" y="577868"/>
-            <a:ext cx="3866378" cy="400110"/>
-          </a:xfrm>
-          <a:prstGeom prst="rect">
-            <a:avLst/>
-          </a:prstGeom>
-          <a:noFill/>
-        </p:spPr>
-        <p:txBody>
-          <a:bodyPr wrap="none" rtlCol="0" anchor="ctr">
-            <a:spAutoFit/>
-          </a:bodyPr>
-          <a:lstStyle/>
-          <a:p>
-            <a:pPr algn="ctr"/>
-            <a:r>
-              <a:rPr kumimoji="1" lang="en-US" altLang="ja-JP" sz="2000" b="1" dirty="0"/>
-              <a:t>8. picture in your clipboard</a:t>
-            </a:r>
-            <a:endParaRPr kumimoji="1" lang="ja-JP" altLang="en-US" sz="2000" b="1" dirty="0"/>
-          </a:p>
-        </p:txBody>
-      </p:sp>
-    </p:spTree>
-    <p:extLst>
-      <p:ext uri="{BB962C8B-B14F-4D97-AF65-F5344CB8AC3E}">
-        <p14:creationId xmlns:p14="http://schemas.microsoft.com/office/powerpoint/2010/main" val="3917705859"/>
-      </p:ext>
-    </p:extLst>
-  </p:cSld>
-  <p:clrMapOvr>
-    <a:masterClrMapping/>
-  </p:clrMapOvr>
-</p:sld>
-</file>
-
-<file path=ppt/slides/slide16.xml><?xml version="1.0" encoding="utf-8"?>
-<p:sld xmlns:a="http://schemas.openxmlformats.org/drawingml/2006/main" xmlns:r="http://schemas.openxmlformats.org/officeDocument/2006/relationships" xmlns:p="http://schemas.openxmlformats.org/presentationml/2006/main">
-  <p:cSld>
-    <p:spTree>
-      <p:nvGrpSpPr>
         <p:cNvPr id="1" name="">
           <a:extLst>
             <a:ext uri="{FF2B5EF4-FFF2-40B4-BE49-F238E27FC236}">
@@ -1745,10 +1648,10 @@
       </p:grpSpPr>
       <p:pic>
         <p:nvPicPr>
-          <p:cNvPr id="2" name="図 1" descr="グラフィカル ユーザー インターフェイス, アプリケーション&#10;&#10;AI によって生成されたコンテンツは間違っている可能性があります。">
-            <a:extLst>
-              <a:ext uri="{FF2B5EF4-FFF2-40B4-BE49-F238E27FC236}">
-                <a16:creationId xmlns:a16="http://schemas.microsoft.com/office/drawing/2014/main" id="{3635B6B4-1A05-D786-5E57-7C910C34B51D}"/>
+          <p:cNvPr id="6" name="図 5" descr="グラフィカル ユーザー インターフェイス, アプリケーション, Word&#10;&#10;AI によって生成されたコンテンツは間違っている可能性があります。">
+            <a:extLst>
+              <a:ext uri="{FF2B5EF4-FFF2-40B4-BE49-F238E27FC236}">
+                <a16:creationId xmlns:a16="http://schemas.microsoft.com/office/drawing/2014/main" id="{BAC933C3-49AC-F02E-D635-94D46FB8DB83}"/>
               </a:ext>
             </a:extLst>
           </p:cNvPr>
@@ -1810,7 +1713,7 @@
             <a:pPr algn="ctr"/>
             <a:r>
               <a:rPr kumimoji="1" lang="en-US" altLang="ja-JP" sz="2000" b="1" dirty="0"/>
-              <a:t>9. paste it to your slide</a:t>
+              <a:t>8. paste it to your slide</a:t>
             </a:r>
             <a:endParaRPr kumimoji="1" lang="ja-JP" altLang="en-US" sz="2000" b="1" dirty="0"/>
           </a:p>
@@ -1820,6 +1723,145 @@
     <p:extLst>
       <p:ext uri="{BB962C8B-B14F-4D97-AF65-F5344CB8AC3E}">
         <p14:creationId xmlns:p14="http://schemas.microsoft.com/office/powerpoint/2010/main" val="1018186067"/>
+      </p:ext>
+    </p:extLst>
+  </p:cSld>
+  <p:clrMapOvr>
+    <a:masterClrMapping/>
+  </p:clrMapOvr>
+</p:sld>
+</file>
+
+<file path=ppt/slides/slide16.xml><?xml version="1.0" encoding="utf-8"?>
+<p:sld xmlns:a="http://schemas.openxmlformats.org/drawingml/2006/main" xmlns:r="http://schemas.openxmlformats.org/officeDocument/2006/relationships" xmlns:p="http://schemas.openxmlformats.org/presentationml/2006/main">
+  <p:cSld>
+    <p:spTree>
+      <p:nvGrpSpPr>
+        <p:cNvPr id="1" name="">
+          <a:extLst>
+            <a:ext uri="{FF2B5EF4-FFF2-40B4-BE49-F238E27FC236}">
+              <a16:creationId xmlns:a16="http://schemas.microsoft.com/office/drawing/2014/main" id="{5C76DF10-4838-631A-7924-B04680ABB484}"/>
+            </a:ext>
+          </a:extLst>
+        </p:cNvPr>
+        <p:cNvGrpSpPr/>
+        <p:nvPr/>
+      </p:nvGrpSpPr>
+      <p:grpSpPr>
+        <a:xfrm>
+          <a:off x="0" y="0"/>
+          <a:ext cx="0" cy="0"/>
+          <a:chOff x="0" y="0"/>
+          <a:chExt cx="0" cy="0"/>
+        </a:xfrm>
+      </p:grpSpPr>
+      <p:pic>
+        <p:nvPicPr>
+          <p:cNvPr id="6" name="図 5" descr="グラフィカル ユーザー インターフェイス, アプリケーション, Word&#10;&#10;AI によって生成されたコンテンツは間違っている可能性があります。">
+            <a:extLst>
+              <a:ext uri="{FF2B5EF4-FFF2-40B4-BE49-F238E27FC236}">
+                <a16:creationId xmlns:a16="http://schemas.microsoft.com/office/drawing/2014/main" id="{C34C9316-D5A4-80DE-620D-655B333E92CF}"/>
+              </a:ext>
+            </a:extLst>
+          </p:cNvPr>
+          <p:cNvPicPr>
+            <a:picLocks noChangeAspect="1"/>
+          </p:cNvPicPr>
+          <p:nvPr/>
+        </p:nvPicPr>
+        <p:blipFill>
+          <a:blip r:embed="rId2">
+            <a:extLst>
+              <a:ext uri="{28A0092B-C50C-407E-A947-70E740481C1C}">
+                <a14:useLocalDpi xmlns:a14="http://schemas.microsoft.com/office/drawing/2010/main" val="0"/>
+              </a:ext>
+            </a:extLst>
+          </a:blip>
+          <a:stretch>
+            <a:fillRect/>
+          </a:stretch>
+        </p:blipFill>
+        <p:spPr>
+          <a:xfrm>
+            <a:off x="2908938" y="1326185"/>
+            <a:ext cx="6374124" cy="4812464"/>
+          </a:xfrm>
+          <a:prstGeom prst="rect">
+            <a:avLst/>
+          </a:prstGeom>
+        </p:spPr>
+      </p:pic>
+      <p:sp>
+        <p:nvSpPr>
+          <p:cNvPr id="3" name="テキスト ボックス 2">
+            <a:extLst>
+              <a:ext uri="{FF2B5EF4-FFF2-40B4-BE49-F238E27FC236}">
+                <a16:creationId xmlns:a16="http://schemas.microsoft.com/office/drawing/2014/main" id="{C1973CA7-43D1-388E-DC8B-1F8356416914}"/>
+              </a:ext>
+            </a:extLst>
+          </p:cNvPr>
+          <p:cNvSpPr txBox="1"/>
+          <p:nvPr/>
+        </p:nvSpPr>
+        <p:spPr>
+          <a:xfrm>
+            <a:off x="4437159" y="577868"/>
+            <a:ext cx="3317703" cy="400110"/>
+          </a:xfrm>
+          <a:prstGeom prst="rect">
+            <a:avLst/>
+          </a:prstGeom>
+          <a:noFill/>
+        </p:spPr>
+        <p:txBody>
+          <a:bodyPr wrap="none" rtlCol="0" anchor="ctr">
+            <a:spAutoFit/>
+          </a:bodyPr>
+          <a:lstStyle/>
+          <a:p>
+            <a:pPr algn="ctr"/>
+            <a:r>
+              <a:rPr kumimoji="1" lang="en-US" altLang="ja-JP" sz="2000" b="1" dirty="0"/>
+              <a:t>8. paste it to your slide</a:t>
+            </a:r>
+            <a:endParaRPr kumimoji="1" lang="ja-JP" altLang="en-US" sz="2000" b="1" dirty="0"/>
+          </a:p>
+        </p:txBody>
+      </p:sp>
+      <p:pic>
+        <p:nvPicPr>
+          <p:cNvPr id="2" name="図 1">
+            <a:extLst>
+              <a:ext uri="{FF2B5EF4-FFF2-40B4-BE49-F238E27FC236}">
+                <a16:creationId xmlns:a16="http://schemas.microsoft.com/office/drawing/2014/main" id="{ADF7866C-085B-AAAA-E4E7-7CAAEE80FAF6}"/>
+              </a:ext>
+            </a:extLst>
+          </p:cNvPr>
+          <p:cNvPicPr>
+            <a:picLocks noChangeAspect="1"/>
+          </p:cNvPicPr>
+          <p:nvPr/>
+        </p:nvPicPr>
+        <p:blipFill>
+          <a:blip r:embed="rId3"/>
+          <a:stretch>
+            <a:fillRect/>
+          </a:stretch>
+        </p:blipFill>
+        <p:spPr>
+          <a:xfrm>
+            <a:off x="5041011" y="3096615"/>
+            <a:ext cx="2109977" cy="2435200"/>
+          </a:xfrm>
+          <a:prstGeom prst="rect">
+            <a:avLst/>
+          </a:prstGeom>
+        </p:spPr>
+      </p:pic>
+    </p:spTree>
+    <p:extLst>
+      <p:ext uri="{BB962C8B-B14F-4D97-AF65-F5344CB8AC3E}">
+        <p14:creationId xmlns:p14="http://schemas.microsoft.com/office/powerpoint/2010/main" val="1212255592"/>
       </p:ext>
     </p:extLst>
   </p:cSld>

--- a/stick-figure/stick-figure-help.pptx
+++ b/stick-figure/stick-figure-help.pptx
@@ -13,14 +13,16 @@
     <p:sldId id="267" r:id="rId7"/>
     <p:sldId id="266" r:id="rId8"/>
     <p:sldId id="268" r:id="rId9"/>
-    <p:sldId id="269" r:id="rId10"/>
-    <p:sldId id="271" r:id="rId11"/>
-    <p:sldId id="272" r:id="rId12"/>
-    <p:sldId id="270" r:id="rId13"/>
-    <p:sldId id="273" r:id="rId14"/>
-    <p:sldId id="277" r:id="rId15"/>
-    <p:sldId id="276" r:id="rId16"/>
-    <p:sldId id="279" r:id="rId17"/>
+    <p:sldId id="280" r:id="rId10"/>
+    <p:sldId id="281" r:id="rId11"/>
+    <p:sldId id="269" r:id="rId12"/>
+    <p:sldId id="271" r:id="rId13"/>
+    <p:sldId id="272" r:id="rId14"/>
+    <p:sldId id="270" r:id="rId15"/>
+    <p:sldId id="273" r:id="rId16"/>
+    <p:sldId id="277" r:id="rId17"/>
+    <p:sldId id="276" r:id="rId18"/>
+    <p:sldId id="279" r:id="rId19"/>
   </p:sldIdLst>
   <p:sldSz cx="12192000" cy="6858000"/>
   <p:notesSz cx="6858000" cy="9144000"/>
@@ -651,6 +653,465 @@
         <p:cNvPr id="1" name="">
           <a:extLst>
             <a:ext uri="{FF2B5EF4-FFF2-40B4-BE49-F238E27FC236}">
+              <a16:creationId xmlns:a16="http://schemas.microsoft.com/office/drawing/2014/main" id="{84FD4FDC-F7AA-B38F-E783-D02A0DE208B1}"/>
+            </a:ext>
+          </a:extLst>
+        </p:cNvPr>
+        <p:cNvGrpSpPr/>
+        <p:nvPr/>
+      </p:nvGrpSpPr>
+      <p:grpSpPr>
+        <a:xfrm>
+          <a:off x="0" y="0"/>
+          <a:ext cx="0" cy="0"/>
+          <a:chOff x="0" y="0"/>
+          <a:chExt cx="0" cy="0"/>
+        </a:xfrm>
+      </p:grpSpPr>
+      <p:pic>
+        <p:nvPicPr>
+          <p:cNvPr id="5" name="図 4" descr="アイコン が含まれている画像&#10;&#10;AI によって生成されたコンテンツは間違っている可能性があります。">
+            <a:extLst>
+              <a:ext uri="{FF2B5EF4-FFF2-40B4-BE49-F238E27FC236}">
+                <a16:creationId xmlns:a16="http://schemas.microsoft.com/office/drawing/2014/main" id="{BEE852CE-B3B2-509C-EFBE-64F06B3270DF}"/>
+              </a:ext>
+            </a:extLst>
+          </p:cNvPr>
+          <p:cNvPicPr>
+            <a:picLocks noChangeAspect="1"/>
+          </p:cNvPicPr>
+          <p:nvPr/>
+        </p:nvPicPr>
+        <p:blipFill>
+          <a:blip r:embed="rId2">
+            <a:extLst>
+              <a:ext uri="{28A0092B-C50C-407E-A947-70E740481C1C}">
+                <a14:useLocalDpi xmlns:a14="http://schemas.microsoft.com/office/drawing/2010/main" val="0"/>
+              </a:ext>
+            </a:extLst>
+          </a:blip>
+          <a:stretch>
+            <a:fillRect/>
+          </a:stretch>
+        </p:blipFill>
+        <p:spPr>
+          <a:xfrm>
+            <a:off x="3290208" y="1320063"/>
+            <a:ext cx="5622860" cy="4818586"/>
+          </a:xfrm>
+          <a:prstGeom prst="rect">
+            <a:avLst/>
+          </a:prstGeom>
+        </p:spPr>
+      </p:pic>
+      <p:sp>
+        <p:nvSpPr>
+          <p:cNvPr id="3" name="テキスト ボックス 2">
+            <a:extLst>
+              <a:ext uri="{FF2B5EF4-FFF2-40B4-BE49-F238E27FC236}">
+                <a16:creationId xmlns:a16="http://schemas.microsoft.com/office/drawing/2014/main" id="{2E39C482-2245-0B0E-B725-2F105D005591}"/>
+              </a:ext>
+            </a:extLst>
+          </p:cNvPr>
+          <p:cNvSpPr txBox="1"/>
+          <p:nvPr/>
+        </p:nvSpPr>
+        <p:spPr>
+          <a:xfrm>
+            <a:off x="3686470" y="577868"/>
+            <a:ext cx="4819076" cy="400110"/>
+          </a:xfrm>
+          <a:prstGeom prst="rect">
+            <a:avLst/>
+          </a:prstGeom>
+          <a:noFill/>
+        </p:spPr>
+        <p:txBody>
+          <a:bodyPr wrap="none" rtlCol="0" anchor="ctr">
+            <a:spAutoFit/>
+          </a:bodyPr>
+          <a:lstStyle/>
+          <a:p>
+            <a:pPr algn="ctr"/>
+            <a:r>
+              <a:rPr lang="en-US" altLang="ja-JP" sz="2000" b="1" dirty="0"/>
+              <a:t>5. long push to handle wide range</a:t>
+            </a:r>
+            <a:endParaRPr lang="ja-JP" altLang="en-US" sz="2000" b="1" dirty="0"/>
+          </a:p>
+        </p:txBody>
+      </p:sp>
+      <p:sp>
+        <p:nvSpPr>
+          <p:cNvPr id="4" name="四角形: 角を丸くする 3">
+            <a:extLst>
+              <a:ext uri="{FF2B5EF4-FFF2-40B4-BE49-F238E27FC236}">
+                <a16:creationId xmlns:a16="http://schemas.microsoft.com/office/drawing/2014/main" id="{4E8F7155-EC24-2DF6-D5EC-E720B92A6B06}"/>
+              </a:ext>
+            </a:extLst>
+          </p:cNvPr>
+          <p:cNvSpPr/>
+          <p:nvPr/>
+        </p:nvSpPr>
+        <p:spPr>
+          <a:xfrm rot="2681838">
+            <a:off x="6062511" y="3553523"/>
+            <a:ext cx="1058560" cy="261979"/>
+          </a:xfrm>
+          <a:prstGeom prst="roundRect">
+            <a:avLst>
+              <a:gd name="adj" fmla="val 50000"/>
+            </a:avLst>
+          </a:prstGeom>
+          <a:solidFill>
+            <a:srgbClr val="FFFFFF">
+              <a:alpha val="30196"/>
+            </a:srgbClr>
+          </a:solidFill>
+          <a:ln>
+            <a:noFill/>
+          </a:ln>
+        </p:spPr>
+        <p:style>
+          <a:lnRef idx="2">
+            <a:schemeClr val="accent1">
+              <a:shade val="15000"/>
+            </a:schemeClr>
+          </a:lnRef>
+          <a:fillRef idx="1">
+            <a:schemeClr val="accent1"/>
+          </a:fillRef>
+          <a:effectRef idx="0">
+            <a:schemeClr val="accent1"/>
+          </a:effectRef>
+          <a:fontRef idx="minor">
+            <a:schemeClr val="lt1"/>
+          </a:fontRef>
+        </p:style>
+        <p:txBody>
+          <a:bodyPr rtlCol="0" anchor="ctr"/>
+          <a:lstStyle/>
+          <a:p>
+            <a:pPr algn="ctr"/>
+            <a:endParaRPr lang="ja-JP" altLang="en-US"/>
+          </a:p>
+        </p:txBody>
+      </p:sp>
+      <p:sp>
+        <p:nvSpPr>
+          <p:cNvPr id="6" name="矢印: 右 5">
+            <a:extLst>
+              <a:ext uri="{FF2B5EF4-FFF2-40B4-BE49-F238E27FC236}">
+                <a16:creationId xmlns:a16="http://schemas.microsoft.com/office/drawing/2014/main" id="{6A124860-F9EF-909B-6BA2-6594C5B46273}"/>
+              </a:ext>
+            </a:extLst>
+          </p:cNvPr>
+          <p:cNvSpPr/>
+          <p:nvPr/>
+        </p:nvSpPr>
+        <p:spPr>
+          <a:xfrm rot="9702248">
+            <a:off x="7062712" y="3495849"/>
+            <a:ext cx="516096" cy="560147"/>
+          </a:xfrm>
+          <a:prstGeom prst="rightArrow">
+            <a:avLst/>
+          </a:prstGeom>
+          <a:solidFill>
+            <a:srgbClr val="D1B00D"/>
+          </a:solidFill>
+          <a:ln>
+            <a:noFill/>
+          </a:ln>
+          <a:effectLst>
+            <a:outerShdw blurRad="50800" dist="38100" dir="2700000" algn="tl" rotWithShape="0">
+              <a:prstClr val="black">
+                <a:alpha val="40000"/>
+              </a:prstClr>
+            </a:outerShdw>
+          </a:effectLst>
+        </p:spPr>
+        <p:style>
+          <a:lnRef idx="2">
+            <a:schemeClr val="accent1">
+              <a:shade val="15000"/>
+            </a:schemeClr>
+          </a:lnRef>
+          <a:fillRef idx="1">
+            <a:schemeClr val="accent1"/>
+          </a:fillRef>
+          <a:effectRef idx="0">
+            <a:schemeClr val="accent1"/>
+          </a:effectRef>
+          <a:fontRef idx="minor">
+            <a:schemeClr val="lt1"/>
+          </a:fontRef>
+        </p:style>
+        <p:txBody>
+          <a:bodyPr rtlCol="0" anchor="ctr"/>
+          <a:lstStyle/>
+          <a:p>
+            <a:pPr algn="ctr"/>
+            <a:endParaRPr kumimoji="1" lang="ja-JP" altLang="en-US"/>
+          </a:p>
+        </p:txBody>
+      </p:sp>
+    </p:spTree>
+    <p:extLst>
+      <p:ext uri="{BB962C8B-B14F-4D97-AF65-F5344CB8AC3E}">
+        <p14:creationId xmlns:p14="http://schemas.microsoft.com/office/powerpoint/2010/main" val="1621132338"/>
+      </p:ext>
+    </p:extLst>
+  </p:cSld>
+  <p:clrMapOvr>
+    <a:masterClrMapping/>
+  </p:clrMapOvr>
+</p:sld>
+</file>
+
+<file path=ppt/slides/slide11.xml><?xml version="1.0" encoding="utf-8"?>
+<p:sld xmlns:a="http://schemas.openxmlformats.org/drawingml/2006/main" xmlns:r="http://schemas.openxmlformats.org/officeDocument/2006/relationships" xmlns:p="http://schemas.openxmlformats.org/presentationml/2006/main">
+  <p:cSld>
+    <p:spTree>
+      <p:nvGrpSpPr>
+        <p:cNvPr id="1" name="">
+          <a:extLst>
+            <a:ext uri="{FF2B5EF4-FFF2-40B4-BE49-F238E27FC236}">
+              <a16:creationId xmlns:a16="http://schemas.microsoft.com/office/drawing/2014/main" id="{AAEB6960-73C9-4FC8-125C-793592FAD781}"/>
+            </a:ext>
+          </a:extLst>
+        </p:cNvPr>
+        <p:cNvGrpSpPr/>
+        <p:nvPr/>
+      </p:nvGrpSpPr>
+      <p:grpSpPr>
+        <a:xfrm>
+          <a:off x="0" y="0"/>
+          <a:ext cx="0" cy="0"/>
+          <a:chOff x="0" y="0"/>
+          <a:chExt cx="0" cy="0"/>
+        </a:xfrm>
+      </p:grpSpPr>
+      <p:pic>
+        <p:nvPicPr>
+          <p:cNvPr id="5" name="図 4" descr="アイコン が含まれている画像&#10;&#10;AI によって生成されたコンテンツは間違っている可能性があります。">
+            <a:extLst>
+              <a:ext uri="{FF2B5EF4-FFF2-40B4-BE49-F238E27FC236}">
+                <a16:creationId xmlns:a16="http://schemas.microsoft.com/office/drawing/2014/main" id="{4DBD54D8-8E41-E479-97BF-E556EBFCB33B}"/>
+              </a:ext>
+            </a:extLst>
+          </p:cNvPr>
+          <p:cNvPicPr>
+            <a:picLocks noChangeAspect="1"/>
+          </p:cNvPicPr>
+          <p:nvPr/>
+        </p:nvPicPr>
+        <p:blipFill>
+          <a:blip r:embed="rId2">
+            <a:extLst>
+              <a:ext uri="{28A0092B-C50C-407E-A947-70E740481C1C}">
+                <a14:useLocalDpi xmlns:a14="http://schemas.microsoft.com/office/drawing/2010/main" val="0"/>
+              </a:ext>
+            </a:extLst>
+          </a:blip>
+          <a:stretch>
+            <a:fillRect/>
+          </a:stretch>
+        </p:blipFill>
+        <p:spPr>
+          <a:xfrm>
+            <a:off x="3290208" y="1320063"/>
+            <a:ext cx="5622860" cy="4818586"/>
+          </a:xfrm>
+          <a:prstGeom prst="rect">
+            <a:avLst/>
+          </a:prstGeom>
+        </p:spPr>
+      </p:pic>
+      <p:sp>
+        <p:nvSpPr>
+          <p:cNvPr id="3" name="テキスト ボックス 2">
+            <a:extLst>
+              <a:ext uri="{FF2B5EF4-FFF2-40B4-BE49-F238E27FC236}">
+                <a16:creationId xmlns:a16="http://schemas.microsoft.com/office/drawing/2014/main" id="{CC56D666-FE7F-C99B-2A9C-1B9ABBA6B54F}"/>
+              </a:ext>
+            </a:extLst>
+          </p:cNvPr>
+          <p:cNvSpPr txBox="1"/>
+          <p:nvPr/>
+        </p:nvSpPr>
+        <p:spPr>
+          <a:xfrm>
+            <a:off x="4347129" y="577868"/>
+            <a:ext cx="3497752" cy="400110"/>
+          </a:xfrm>
+          <a:prstGeom prst="rect">
+            <a:avLst/>
+          </a:prstGeom>
+          <a:noFill/>
+        </p:spPr>
+        <p:txBody>
+          <a:bodyPr wrap="none" rtlCol="0" anchor="ctr">
+            <a:spAutoFit/>
+          </a:bodyPr>
+          <a:lstStyle/>
+          <a:p>
+            <a:pPr algn="ctr"/>
+            <a:r>
+              <a:rPr kumimoji="1" lang="en-US" altLang="ja-JP" sz="2000" b="1" dirty="0"/>
+              <a:t>6. set your favorite pose</a:t>
+            </a:r>
+            <a:endParaRPr kumimoji="1" lang="ja-JP" altLang="en-US" sz="2000" b="1" dirty="0"/>
+          </a:p>
+        </p:txBody>
+      </p:sp>
+      <p:sp>
+        <p:nvSpPr>
+          <p:cNvPr id="8" name="矢印: 左カーブ 7">
+            <a:extLst>
+              <a:ext uri="{FF2B5EF4-FFF2-40B4-BE49-F238E27FC236}">
+                <a16:creationId xmlns:a16="http://schemas.microsoft.com/office/drawing/2014/main" id="{760C96BA-94B9-C29F-ECB9-4ABE4C039C0D}"/>
+              </a:ext>
+            </a:extLst>
+          </p:cNvPr>
+          <p:cNvSpPr/>
+          <p:nvPr/>
+        </p:nvSpPr>
+        <p:spPr>
+          <a:xfrm flipV="1">
+            <a:off x="7785102" y="3238501"/>
+            <a:ext cx="905913" cy="1460460"/>
+          </a:xfrm>
+          <a:prstGeom prst="curvedLeftArrow">
+            <a:avLst/>
+          </a:prstGeom>
+          <a:solidFill>
+            <a:srgbClr val="D1B00D"/>
+          </a:solidFill>
+          <a:ln>
+            <a:noFill/>
+          </a:ln>
+          <a:effectLst>
+            <a:outerShdw blurRad="50800" dist="38100" dir="2700000" algn="tl" rotWithShape="0">
+              <a:prstClr val="black">
+                <a:alpha val="40000"/>
+              </a:prstClr>
+            </a:outerShdw>
+          </a:effectLst>
+        </p:spPr>
+        <p:style>
+          <a:lnRef idx="2">
+            <a:schemeClr val="accent1">
+              <a:shade val="15000"/>
+            </a:schemeClr>
+          </a:lnRef>
+          <a:fillRef idx="1">
+            <a:schemeClr val="accent1"/>
+          </a:fillRef>
+          <a:effectRef idx="0">
+            <a:schemeClr val="accent1"/>
+          </a:effectRef>
+          <a:fontRef idx="minor">
+            <a:schemeClr val="lt1"/>
+          </a:fontRef>
+        </p:style>
+        <p:txBody>
+          <a:bodyPr rtlCol="0" anchor="ctr"/>
+          <a:lstStyle/>
+          <a:p>
+            <a:pPr algn="ctr"/>
+            <a:endParaRPr kumimoji="1" lang="ja-JP" altLang="en-US">
+              <a:solidFill>
+                <a:schemeClr val="tx1"/>
+              </a:solidFill>
+            </a:endParaRPr>
+          </a:p>
+        </p:txBody>
+      </p:sp>
+      <p:sp>
+        <p:nvSpPr>
+          <p:cNvPr id="9" name="矢印: 左カーブ 8">
+            <a:extLst>
+              <a:ext uri="{FF2B5EF4-FFF2-40B4-BE49-F238E27FC236}">
+                <a16:creationId xmlns:a16="http://schemas.microsoft.com/office/drawing/2014/main" id="{AC0640D1-9C80-6D24-F73D-330AF332A863}"/>
+              </a:ext>
+            </a:extLst>
+          </p:cNvPr>
+          <p:cNvSpPr/>
+          <p:nvPr/>
+        </p:nvSpPr>
+        <p:spPr>
+          <a:xfrm flipH="1">
+            <a:off x="3500988" y="3238500"/>
+            <a:ext cx="905912" cy="1460461"/>
+          </a:xfrm>
+          <a:prstGeom prst="curvedLeftArrow">
+            <a:avLst/>
+          </a:prstGeom>
+          <a:solidFill>
+            <a:srgbClr val="D1B00D"/>
+          </a:solidFill>
+          <a:ln>
+            <a:noFill/>
+          </a:ln>
+          <a:effectLst>
+            <a:outerShdw blurRad="50800" dist="38100" dir="2700000" algn="tl" rotWithShape="0">
+              <a:prstClr val="black">
+                <a:alpha val="40000"/>
+              </a:prstClr>
+            </a:outerShdw>
+          </a:effectLst>
+        </p:spPr>
+        <p:style>
+          <a:lnRef idx="2">
+            <a:schemeClr val="accent1">
+              <a:shade val="15000"/>
+            </a:schemeClr>
+          </a:lnRef>
+          <a:fillRef idx="1">
+            <a:schemeClr val="accent1"/>
+          </a:fillRef>
+          <a:effectRef idx="0">
+            <a:schemeClr val="accent1"/>
+          </a:effectRef>
+          <a:fontRef idx="minor">
+            <a:schemeClr val="lt1"/>
+          </a:fontRef>
+        </p:style>
+        <p:txBody>
+          <a:bodyPr rtlCol="0" anchor="ctr"/>
+          <a:lstStyle/>
+          <a:p>
+            <a:pPr algn="ctr"/>
+            <a:endParaRPr kumimoji="1" lang="ja-JP" altLang="en-US">
+              <a:solidFill>
+                <a:schemeClr val="tx1"/>
+              </a:solidFill>
+            </a:endParaRPr>
+          </a:p>
+        </p:txBody>
+      </p:sp>
+    </p:spTree>
+    <p:extLst>
+      <p:ext uri="{BB962C8B-B14F-4D97-AF65-F5344CB8AC3E}">
+        <p14:creationId xmlns:p14="http://schemas.microsoft.com/office/powerpoint/2010/main" val="116240206"/>
+      </p:ext>
+    </p:extLst>
+  </p:cSld>
+  <p:clrMapOvr>
+    <a:masterClrMapping/>
+  </p:clrMapOvr>
+</p:sld>
+</file>
+
+<file path=ppt/slides/slide12.xml><?xml version="1.0" encoding="utf-8"?>
+<p:sld xmlns:a="http://schemas.openxmlformats.org/drawingml/2006/main" xmlns:r="http://schemas.openxmlformats.org/officeDocument/2006/relationships" xmlns:p="http://schemas.openxmlformats.org/presentationml/2006/main">
+  <p:cSld>
+    <p:spTree>
+      <p:nvGrpSpPr>
+        <p:cNvPr id="1" name="">
+          <a:extLst>
+            <a:ext uri="{FF2B5EF4-FFF2-40B4-BE49-F238E27FC236}">
               <a16:creationId xmlns:a16="http://schemas.microsoft.com/office/drawing/2014/main" id="{CE31AC0E-7742-3110-D878-8CF9BFE4B8D5}"/>
             </a:ext>
           </a:extLst>
@@ -732,10 +1193,10 @@
           <a:p>
             <a:pPr algn="ctr"/>
             <a:r>
-              <a:rPr kumimoji="1" lang="en-US" altLang="ja-JP" sz="2000" b="1" dirty="0"/>
-              <a:t>5. set your favorite pose</a:t>
+              <a:rPr lang="en-US" altLang="ja-JP" sz="2000" b="1" dirty="0"/>
+              <a:t>6. set your favorite pose</a:t>
             </a:r>
-            <a:endParaRPr kumimoji="1" lang="ja-JP" altLang="en-US" sz="2000" b="1" dirty="0"/>
+            <a:endParaRPr lang="ja-JP" altLang="en-US" sz="2000" b="1" dirty="0"/>
           </a:p>
         </p:txBody>
       </p:sp>
@@ -878,7 +1339,7 @@
 </p:sld>
 </file>
 
-<file path=ppt/slides/slide11.xml><?xml version="1.0" encoding="utf-8"?>
+<file path=ppt/slides/slide13.xml><?xml version="1.0" encoding="utf-8"?>
 <p:sld xmlns:a="http://schemas.openxmlformats.org/drawingml/2006/main" xmlns:r="http://schemas.openxmlformats.org/officeDocument/2006/relationships" xmlns:p="http://schemas.openxmlformats.org/presentationml/2006/main">
   <p:cSld>
     <p:spTree>
@@ -937,6 +1398,441 @@
           </a:prstGeom>
         </p:spPr>
       </p:pic>
+      <p:grpSp>
+        <p:nvGrpSpPr>
+          <p:cNvPr id="13" name="グループ化 12">
+            <a:extLst>
+              <a:ext uri="{FF2B5EF4-FFF2-40B4-BE49-F238E27FC236}">
+                <a16:creationId xmlns:a16="http://schemas.microsoft.com/office/drawing/2014/main" id="{35C6057B-8AB1-D390-30BA-CE5484BA1C0D}"/>
+              </a:ext>
+            </a:extLst>
+          </p:cNvPr>
+          <p:cNvGrpSpPr/>
+          <p:nvPr/>
+        </p:nvGrpSpPr>
+        <p:grpSpPr>
+          <a:xfrm>
+            <a:off x="7112000" y="4357916"/>
+            <a:ext cx="723900" cy="1056818"/>
+            <a:chOff x="5543645" y="2286395"/>
+            <a:chExt cx="1568355" cy="2289635"/>
+          </a:xfrm>
+          <a:effectLst>
+            <a:outerShdw blurRad="50800" dist="38100" dir="2700000" algn="tl" rotWithShape="0">
+              <a:prstClr val="black">
+                <a:alpha val="40000"/>
+              </a:prstClr>
+            </a:outerShdw>
+          </a:effectLst>
+        </p:grpSpPr>
+        <p:sp>
+          <p:nvSpPr>
+            <p:cNvPr id="12" name="四角形: 角を丸くする 11">
+              <a:extLst>
+                <a:ext uri="{FF2B5EF4-FFF2-40B4-BE49-F238E27FC236}">
+                  <a16:creationId xmlns:a16="http://schemas.microsoft.com/office/drawing/2014/main" id="{9F342A8F-C976-A755-C1E8-6F4AAE3FB4C0}"/>
+                </a:ext>
+              </a:extLst>
+            </p:cNvPr>
+            <p:cNvSpPr/>
+            <p:nvPr/>
+          </p:nvSpPr>
+          <p:spPr>
+            <a:xfrm>
+              <a:off x="5543645" y="2286396"/>
+              <a:ext cx="1568355" cy="2289634"/>
+            </a:xfrm>
+            <a:prstGeom prst="roundRect">
+              <a:avLst>
+                <a:gd name="adj" fmla="val 50000"/>
+              </a:avLst>
+            </a:prstGeom>
+            <a:solidFill>
+              <a:schemeClr val="bg1"/>
+            </a:solidFill>
+            <a:ln>
+              <a:noFill/>
+            </a:ln>
+          </p:spPr>
+          <p:style>
+            <a:lnRef idx="2">
+              <a:schemeClr val="accent1">
+                <a:shade val="15000"/>
+              </a:schemeClr>
+            </a:lnRef>
+            <a:fillRef idx="1">
+              <a:schemeClr val="accent1"/>
+            </a:fillRef>
+            <a:effectRef idx="0">
+              <a:schemeClr val="accent1"/>
+            </a:effectRef>
+            <a:fontRef idx="minor">
+              <a:schemeClr val="lt1"/>
+            </a:fontRef>
+          </p:style>
+          <p:txBody>
+            <a:bodyPr rtlCol="0" anchor="ctr"/>
+            <a:lstStyle/>
+            <a:p>
+              <a:pPr algn="ctr"/>
+              <a:endParaRPr kumimoji="1" lang="ja-JP" altLang="en-US"/>
+            </a:p>
+          </p:txBody>
+        </p:sp>
+        <p:sp>
+          <p:nvSpPr>
+            <p:cNvPr id="11" name="フリーフォーム: 図形 10">
+              <a:extLst>
+                <a:ext uri="{FF2B5EF4-FFF2-40B4-BE49-F238E27FC236}">
+                  <a16:creationId xmlns:a16="http://schemas.microsoft.com/office/drawing/2014/main" id="{3C1C334C-10BB-5940-45DD-CEBEE1C7FAA7}"/>
+                </a:ext>
+              </a:extLst>
+            </p:cNvPr>
+            <p:cNvSpPr/>
+            <p:nvPr/>
+          </p:nvSpPr>
+          <p:spPr>
+            <a:xfrm rot="5400000">
+              <a:off x="5183006" y="2647035"/>
+              <a:ext cx="2289634" cy="1568354"/>
+            </a:xfrm>
+            <a:custGeom>
+              <a:avLst/>
+              <a:gdLst>
+                <a:gd name="connsiteX0" fmla="*/ 1476623 w 2289634"/>
+                <a:gd name="connsiteY0" fmla="*/ 1568354 h 1568354"/>
+                <a:gd name="connsiteX1" fmla="*/ 1476623 w 2289634"/>
+                <a:gd name="connsiteY1" fmla="*/ 0 h 1568354"/>
+                <a:gd name="connsiteX2" fmla="*/ 1505457 w 2289634"/>
+                <a:gd name="connsiteY2" fmla="*/ 0 h 1568354"/>
+                <a:gd name="connsiteX3" fmla="*/ 2289634 w 2289634"/>
+                <a:gd name="connsiteY3" fmla="*/ 784177 h 1568354"/>
+                <a:gd name="connsiteX4" fmla="*/ 1505457 w 2289634"/>
+                <a:gd name="connsiteY4" fmla="*/ 1568354 h 1568354"/>
+                <a:gd name="connsiteX5" fmla="*/ 783 w 2289634"/>
+                <a:gd name="connsiteY5" fmla="*/ 835829 h 1568354"/>
+                <a:gd name="connsiteX6" fmla="*/ 80211 w 2289634"/>
+                <a:gd name="connsiteY6" fmla="*/ 835829 h 1568354"/>
+                <a:gd name="connsiteX7" fmla="*/ 89380 w 2289634"/>
+                <a:gd name="connsiteY7" fmla="*/ 881242 h 1568354"/>
+                <a:gd name="connsiteX8" fmla="*/ 292679 w 2289634"/>
+                <a:gd name="connsiteY8" fmla="*/ 1015998 h 1568354"/>
+                <a:gd name="connsiteX9" fmla="*/ 921967 w 2289634"/>
+                <a:gd name="connsiteY9" fmla="*/ 1015998 h 1568354"/>
+                <a:gd name="connsiteX10" fmla="*/ 1125266 w 2289634"/>
+                <a:gd name="connsiteY10" fmla="*/ 881242 h 1568354"/>
+                <a:gd name="connsiteX11" fmla="*/ 1134435 w 2289634"/>
+                <a:gd name="connsiteY11" fmla="*/ 835829 h 1568354"/>
+                <a:gd name="connsiteX12" fmla="*/ 1381089 w 2289634"/>
+                <a:gd name="connsiteY12" fmla="*/ 835829 h 1568354"/>
+                <a:gd name="connsiteX13" fmla="*/ 1381089 w 2289634"/>
+                <a:gd name="connsiteY13" fmla="*/ 1568354 h 1568354"/>
+                <a:gd name="connsiteX14" fmla="*/ 779753 w 2289634"/>
+                <a:gd name="connsiteY14" fmla="*/ 1568354 h 1568354"/>
+                <a:gd name="connsiteX15" fmla="*/ 11508 w 2289634"/>
+                <a:gd name="connsiteY15" fmla="*/ 942216 h 1568354"/>
+                <a:gd name="connsiteX16" fmla="*/ 0 w 2289634"/>
+                <a:gd name="connsiteY16" fmla="*/ 740295 h 1568354"/>
+                <a:gd name="connsiteX17" fmla="*/ 11508 w 2289634"/>
+                <a:gd name="connsiteY17" fmla="*/ 626138 h 1568354"/>
+                <a:gd name="connsiteX18" fmla="*/ 779753 w 2289634"/>
+                <a:gd name="connsiteY18" fmla="*/ 0 h 1568354"/>
+                <a:gd name="connsiteX19" fmla="*/ 1381089 w 2289634"/>
+                <a:gd name="connsiteY19" fmla="*/ 0 h 1568354"/>
+                <a:gd name="connsiteX20" fmla="*/ 1381089 w 2289634"/>
+                <a:gd name="connsiteY20" fmla="*/ 740295 h 1568354"/>
+                <a:gd name="connsiteX21" fmla="*/ 1131488 w 2289634"/>
+                <a:gd name="connsiteY21" fmla="*/ 740295 h 1568354"/>
+                <a:gd name="connsiteX22" fmla="*/ 1125266 w 2289634"/>
+                <a:gd name="connsiteY22" fmla="*/ 709478 h 1568354"/>
+                <a:gd name="connsiteX23" fmla="*/ 921967 w 2289634"/>
+                <a:gd name="connsiteY23" fmla="*/ 574722 h 1568354"/>
+                <a:gd name="connsiteX24" fmla="*/ 292679 w 2289634"/>
+                <a:gd name="connsiteY24" fmla="*/ 574722 h 1568354"/>
+                <a:gd name="connsiteX25" fmla="*/ 89380 w 2289634"/>
+                <a:gd name="connsiteY25" fmla="*/ 709478 h 1568354"/>
+                <a:gd name="connsiteX26" fmla="*/ 83158 w 2289634"/>
+                <a:gd name="connsiteY26" fmla="*/ 740295 h 1568354"/>
+              </a:gdLst>
+              <a:ahLst/>
+              <a:cxnLst>
+                <a:cxn ang="0">
+                  <a:pos x="connsiteX0" y="connsiteY0"/>
+                </a:cxn>
+                <a:cxn ang="0">
+                  <a:pos x="connsiteX1" y="connsiteY1"/>
+                </a:cxn>
+                <a:cxn ang="0">
+                  <a:pos x="connsiteX2" y="connsiteY2"/>
+                </a:cxn>
+                <a:cxn ang="0">
+                  <a:pos x="connsiteX3" y="connsiteY3"/>
+                </a:cxn>
+                <a:cxn ang="0">
+                  <a:pos x="connsiteX4" y="connsiteY4"/>
+                </a:cxn>
+                <a:cxn ang="0">
+                  <a:pos x="connsiteX5" y="connsiteY5"/>
+                </a:cxn>
+                <a:cxn ang="0">
+                  <a:pos x="connsiteX6" y="connsiteY6"/>
+                </a:cxn>
+                <a:cxn ang="0">
+                  <a:pos x="connsiteX7" y="connsiteY7"/>
+                </a:cxn>
+                <a:cxn ang="0">
+                  <a:pos x="connsiteX8" y="connsiteY8"/>
+                </a:cxn>
+                <a:cxn ang="0">
+                  <a:pos x="connsiteX9" y="connsiteY9"/>
+                </a:cxn>
+                <a:cxn ang="0">
+                  <a:pos x="connsiteX10" y="connsiteY10"/>
+                </a:cxn>
+                <a:cxn ang="0">
+                  <a:pos x="connsiteX11" y="connsiteY11"/>
+                </a:cxn>
+                <a:cxn ang="0">
+                  <a:pos x="connsiteX12" y="connsiteY12"/>
+                </a:cxn>
+                <a:cxn ang="0">
+                  <a:pos x="connsiteX13" y="connsiteY13"/>
+                </a:cxn>
+                <a:cxn ang="0">
+                  <a:pos x="connsiteX14" y="connsiteY14"/>
+                </a:cxn>
+                <a:cxn ang="0">
+                  <a:pos x="connsiteX15" y="connsiteY15"/>
+                </a:cxn>
+                <a:cxn ang="0">
+                  <a:pos x="connsiteX16" y="connsiteY16"/>
+                </a:cxn>
+                <a:cxn ang="0">
+                  <a:pos x="connsiteX17" y="connsiteY17"/>
+                </a:cxn>
+                <a:cxn ang="0">
+                  <a:pos x="connsiteX18" y="connsiteY18"/>
+                </a:cxn>
+                <a:cxn ang="0">
+                  <a:pos x="connsiteX19" y="connsiteY19"/>
+                </a:cxn>
+                <a:cxn ang="0">
+                  <a:pos x="connsiteX20" y="connsiteY20"/>
+                </a:cxn>
+                <a:cxn ang="0">
+                  <a:pos x="connsiteX21" y="connsiteY21"/>
+                </a:cxn>
+                <a:cxn ang="0">
+                  <a:pos x="connsiteX22" y="connsiteY22"/>
+                </a:cxn>
+                <a:cxn ang="0">
+                  <a:pos x="connsiteX23" y="connsiteY23"/>
+                </a:cxn>
+                <a:cxn ang="0">
+                  <a:pos x="connsiteX24" y="connsiteY24"/>
+                </a:cxn>
+                <a:cxn ang="0">
+                  <a:pos x="connsiteX25" y="connsiteY25"/>
+                </a:cxn>
+                <a:cxn ang="0">
+                  <a:pos x="connsiteX26" y="connsiteY26"/>
+                </a:cxn>
+              </a:cxnLst>
+              <a:rect l="l" t="t" r="r" b="b"/>
+              <a:pathLst>
+                <a:path w="2289634" h="1568354">
+                  <a:moveTo>
+                    <a:pt x="1476623" y="1568354"/>
+                  </a:moveTo>
+                  <a:lnTo>
+                    <a:pt x="1476623" y="0"/>
+                  </a:lnTo>
+                  <a:lnTo>
+                    <a:pt x="1505457" y="0"/>
+                  </a:lnTo>
+                  <a:cubicBezTo>
+                    <a:pt x="1938546" y="0"/>
+                    <a:pt x="2289634" y="351088"/>
+                    <a:pt x="2289634" y="784177"/>
+                  </a:cubicBezTo>
+                  <a:cubicBezTo>
+                    <a:pt x="2289634" y="1217266"/>
+                    <a:pt x="1938546" y="1568354"/>
+                    <a:pt x="1505457" y="1568354"/>
+                  </a:cubicBezTo>
+                  <a:close/>
+                  <a:moveTo>
+                    <a:pt x="783" y="835829"/>
+                  </a:moveTo>
+                  <a:lnTo>
+                    <a:pt x="80211" y="835829"/>
+                  </a:lnTo>
+                  <a:lnTo>
+                    <a:pt x="89380" y="881242"/>
+                  </a:lnTo>
+                  <a:cubicBezTo>
+                    <a:pt x="122875" y="960433"/>
+                    <a:pt x="201288" y="1015998"/>
+                    <a:pt x="292679" y="1015998"/>
+                  </a:cubicBezTo>
+                  <a:lnTo>
+                    <a:pt x="921967" y="1015998"/>
+                  </a:lnTo>
+                  <a:cubicBezTo>
+                    <a:pt x="1013358" y="1015998"/>
+                    <a:pt x="1091772" y="960433"/>
+                    <a:pt x="1125266" y="881242"/>
+                  </a:cubicBezTo>
+                  <a:lnTo>
+                    <a:pt x="1134435" y="835829"/>
+                  </a:lnTo>
+                  <a:lnTo>
+                    <a:pt x="1381089" y="835829"/>
+                  </a:lnTo>
+                  <a:lnTo>
+                    <a:pt x="1381089" y="1568354"/>
+                  </a:lnTo>
+                  <a:lnTo>
+                    <a:pt x="779753" y="1568354"/>
+                  </a:lnTo>
+                  <a:cubicBezTo>
+                    <a:pt x="400800" y="1568354"/>
+                    <a:pt x="84629" y="1299552"/>
+                    <a:pt x="11508" y="942216"/>
+                  </a:cubicBezTo>
+                  <a:close/>
+                  <a:moveTo>
+                    <a:pt x="0" y="740295"/>
+                  </a:moveTo>
+                  <a:lnTo>
+                    <a:pt x="11508" y="626138"/>
+                  </a:lnTo>
+                  <a:cubicBezTo>
+                    <a:pt x="84629" y="268802"/>
+                    <a:pt x="400800" y="0"/>
+                    <a:pt x="779753" y="0"/>
+                  </a:cubicBezTo>
+                  <a:lnTo>
+                    <a:pt x="1381089" y="0"/>
+                  </a:lnTo>
+                  <a:lnTo>
+                    <a:pt x="1381089" y="740295"/>
+                  </a:lnTo>
+                  <a:lnTo>
+                    <a:pt x="1131488" y="740295"/>
+                  </a:lnTo>
+                  <a:lnTo>
+                    <a:pt x="1125266" y="709478"/>
+                  </a:lnTo>
+                  <a:cubicBezTo>
+                    <a:pt x="1091772" y="630288"/>
+                    <a:pt x="1013358" y="574722"/>
+                    <a:pt x="921967" y="574722"/>
+                  </a:cubicBezTo>
+                  <a:lnTo>
+                    <a:pt x="292679" y="574722"/>
+                  </a:lnTo>
+                  <a:cubicBezTo>
+                    <a:pt x="201288" y="574722"/>
+                    <a:pt x="122875" y="630288"/>
+                    <a:pt x="89380" y="709478"/>
+                  </a:cubicBezTo>
+                  <a:lnTo>
+                    <a:pt x="83158" y="740295"/>
+                  </a:lnTo>
+                  <a:close/>
+                </a:path>
+              </a:pathLst>
+            </a:custGeom>
+            <a:solidFill>
+              <a:schemeClr val="tx1"/>
+            </a:solidFill>
+            <a:ln>
+              <a:noFill/>
+            </a:ln>
+          </p:spPr>
+          <p:style>
+            <a:lnRef idx="2">
+              <a:schemeClr val="accent1">
+                <a:shade val="15000"/>
+              </a:schemeClr>
+            </a:lnRef>
+            <a:fillRef idx="1">
+              <a:schemeClr val="accent1"/>
+            </a:fillRef>
+            <a:effectRef idx="0">
+              <a:schemeClr val="accent1"/>
+            </a:effectRef>
+            <a:fontRef idx="minor">
+              <a:schemeClr val="lt1"/>
+            </a:fontRef>
+          </p:style>
+          <p:txBody>
+            <a:bodyPr wrap="square" rtlCol="0" anchor="ctr">
+              <a:noAutofit/>
+            </a:bodyPr>
+            <a:lstStyle/>
+            <a:p>
+              <a:pPr algn="ctr"/>
+              <a:endParaRPr kumimoji="1" lang="ja-JP" altLang="en-US"/>
+            </a:p>
+          </p:txBody>
+        </p:sp>
+        <p:sp>
+          <p:nvSpPr>
+            <p:cNvPr id="6" name="四角形: 角を丸くする 5">
+              <a:extLst>
+                <a:ext uri="{FF2B5EF4-FFF2-40B4-BE49-F238E27FC236}">
+                  <a16:creationId xmlns:a16="http://schemas.microsoft.com/office/drawing/2014/main" id="{4E9B3FE8-2BB5-F5EA-CD5C-0811B7B56CDE}"/>
+                </a:ext>
+              </a:extLst>
+            </p:cNvPr>
+            <p:cNvSpPr/>
+            <p:nvPr/>
+          </p:nvSpPr>
+          <p:spPr>
+            <a:xfrm rot="5400000">
+              <a:off x="5896876" y="2770212"/>
+              <a:ext cx="836494" cy="252482"/>
+            </a:xfrm>
+            <a:prstGeom prst="roundRect">
+              <a:avLst>
+                <a:gd name="adj" fmla="val 50000"/>
+              </a:avLst>
+            </a:prstGeom>
+            <a:solidFill>
+              <a:schemeClr val="tx1"/>
+            </a:solidFill>
+            <a:ln>
+              <a:noFill/>
+            </a:ln>
+          </p:spPr>
+          <p:style>
+            <a:lnRef idx="2">
+              <a:schemeClr val="accent1">
+                <a:shade val="15000"/>
+              </a:schemeClr>
+            </a:lnRef>
+            <a:fillRef idx="1">
+              <a:schemeClr val="accent1"/>
+            </a:fillRef>
+            <a:effectRef idx="0">
+              <a:schemeClr val="accent1"/>
+            </a:effectRef>
+            <a:fontRef idx="minor">
+              <a:schemeClr val="lt1"/>
+            </a:fontRef>
+          </p:style>
+          <p:txBody>
+            <a:bodyPr rtlCol="0" anchor="ctr"/>
+            <a:lstStyle/>
+            <a:p>
+              <a:pPr algn="ctr"/>
+              <a:endParaRPr kumimoji="1" lang="ja-JP" altLang="en-US"/>
+            </a:p>
+          </p:txBody>
+        </p:sp>
+      </p:grpSp>
       <p:sp>
         <p:nvSpPr>
           <p:cNvPr id="3" name="テキスト ボックス 2">
@@ -967,8 +1863,12 @@
           <a:p>
             <a:pPr algn="ctr"/>
             <a:r>
+              <a:rPr lang="en-US" altLang="ja-JP" sz="2000" b="1" dirty="0"/>
+              <a:t>7</a:t>
+            </a:r>
+            <a:r>
               <a:rPr kumimoji="1" lang="en-US" altLang="ja-JP" sz="2000" b="1" dirty="0"/>
-              <a:t>6. set zoom level</a:t>
+              <a:t>. set zoom level</a:t>
             </a:r>
             <a:endParaRPr kumimoji="1" lang="ja-JP" altLang="en-US" sz="2000" b="1" dirty="0"/>
           </a:p>
@@ -1046,7 +1946,7 @@
 </p:sld>
 </file>
 
-<file path=ppt/slides/slide12.xml><?xml version="1.0" encoding="utf-8"?>
+<file path=ppt/slides/slide14.xml><?xml version="1.0" encoding="utf-8"?>
 <p:sld xmlns:a="http://schemas.openxmlformats.org/drawingml/2006/main" xmlns:r="http://schemas.openxmlformats.org/officeDocument/2006/relationships" xmlns:p="http://schemas.openxmlformats.org/presentationml/2006/main">
   <p:cSld>
     <p:spTree>
@@ -1135,10 +2035,10 @@
           <a:p>
             <a:pPr algn="ctr"/>
             <a:r>
-              <a:rPr kumimoji="1" lang="en-US" altLang="ja-JP" sz="2000" b="1" dirty="0"/>
-              <a:t>6. set zoom level</a:t>
+              <a:rPr lang="en-US" altLang="ja-JP" sz="2000" b="1" dirty="0"/>
+              <a:t>7. set zoom level</a:t>
             </a:r>
-            <a:endParaRPr kumimoji="1" lang="ja-JP" altLang="en-US" sz="2000" b="1" dirty="0"/>
+            <a:endParaRPr lang="ja-JP" altLang="en-US" sz="2000" b="1" dirty="0"/>
           </a:p>
         </p:txBody>
       </p:sp>
@@ -1201,6 +2101,441 @@
           </a:p>
         </p:txBody>
       </p:sp>
+      <p:grpSp>
+        <p:nvGrpSpPr>
+          <p:cNvPr id="2" name="グループ化 1">
+            <a:extLst>
+              <a:ext uri="{FF2B5EF4-FFF2-40B4-BE49-F238E27FC236}">
+                <a16:creationId xmlns:a16="http://schemas.microsoft.com/office/drawing/2014/main" id="{A54E9022-6A9F-71EE-33AC-6DC723334BAB}"/>
+              </a:ext>
+            </a:extLst>
+          </p:cNvPr>
+          <p:cNvGrpSpPr/>
+          <p:nvPr/>
+        </p:nvGrpSpPr>
+        <p:grpSpPr>
+          <a:xfrm>
+            <a:off x="7112000" y="4357916"/>
+            <a:ext cx="723900" cy="1056818"/>
+            <a:chOff x="5543645" y="2286395"/>
+            <a:chExt cx="1568355" cy="2289635"/>
+          </a:xfrm>
+          <a:effectLst>
+            <a:outerShdw blurRad="50800" dist="38100" dir="2700000" algn="tl" rotWithShape="0">
+              <a:prstClr val="black">
+                <a:alpha val="40000"/>
+              </a:prstClr>
+            </a:outerShdw>
+          </a:effectLst>
+        </p:grpSpPr>
+        <p:sp>
+          <p:nvSpPr>
+            <p:cNvPr id="4" name="四角形: 角を丸くする 3">
+              <a:extLst>
+                <a:ext uri="{FF2B5EF4-FFF2-40B4-BE49-F238E27FC236}">
+                  <a16:creationId xmlns:a16="http://schemas.microsoft.com/office/drawing/2014/main" id="{FF0E7AF8-166C-4D67-9CF1-D122E35A8B04}"/>
+                </a:ext>
+              </a:extLst>
+            </p:cNvPr>
+            <p:cNvSpPr/>
+            <p:nvPr/>
+          </p:nvSpPr>
+          <p:spPr>
+            <a:xfrm>
+              <a:off x="5543645" y="2286396"/>
+              <a:ext cx="1568355" cy="2289634"/>
+            </a:xfrm>
+            <a:prstGeom prst="roundRect">
+              <a:avLst>
+                <a:gd name="adj" fmla="val 50000"/>
+              </a:avLst>
+            </a:prstGeom>
+            <a:solidFill>
+              <a:schemeClr val="bg1"/>
+            </a:solidFill>
+            <a:ln>
+              <a:noFill/>
+            </a:ln>
+          </p:spPr>
+          <p:style>
+            <a:lnRef idx="2">
+              <a:schemeClr val="accent1">
+                <a:shade val="15000"/>
+              </a:schemeClr>
+            </a:lnRef>
+            <a:fillRef idx="1">
+              <a:schemeClr val="accent1"/>
+            </a:fillRef>
+            <a:effectRef idx="0">
+              <a:schemeClr val="accent1"/>
+            </a:effectRef>
+            <a:fontRef idx="minor">
+              <a:schemeClr val="lt1"/>
+            </a:fontRef>
+          </p:style>
+          <p:txBody>
+            <a:bodyPr rtlCol="0" anchor="ctr"/>
+            <a:lstStyle/>
+            <a:p>
+              <a:pPr algn="ctr"/>
+              <a:endParaRPr kumimoji="1" lang="ja-JP" altLang="en-US"/>
+            </a:p>
+          </p:txBody>
+        </p:sp>
+        <p:sp>
+          <p:nvSpPr>
+            <p:cNvPr id="5" name="フリーフォーム: 図形 4">
+              <a:extLst>
+                <a:ext uri="{FF2B5EF4-FFF2-40B4-BE49-F238E27FC236}">
+                  <a16:creationId xmlns:a16="http://schemas.microsoft.com/office/drawing/2014/main" id="{0B7B78C5-F695-F0B4-4768-6142A48B134C}"/>
+                </a:ext>
+              </a:extLst>
+            </p:cNvPr>
+            <p:cNvSpPr/>
+            <p:nvPr/>
+          </p:nvSpPr>
+          <p:spPr>
+            <a:xfrm rot="5400000">
+              <a:off x="5183006" y="2647035"/>
+              <a:ext cx="2289634" cy="1568354"/>
+            </a:xfrm>
+            <a:custGeom>
+              <a:avLst/>
+              <a:gdLst>
+                <a:gd name="connsiteX0" fmla="*/ 1476623 w 2289634"/>
+                <a:gd name="connsiteY0" fmla="*/ 1568354 h 1568354"/>
+                <a:gd name="connsiteX1" fmla="*/ 1476623 w 2289634"/>
+                <a:gd name="connsiteY1" fmla="*/ 0 h 1568354"/>
+                <a:gd name="connsiteX2" fmla="*/ 1505457 w 2289634"/>
+                <a:gd name="connsiteY2" fmla="*/ 0 h 1568354"/>
+                <a:gd name="connsiteX3" fmla="*/ 2289634 w 2289634"/>
+                <a:gd name="connsiteY3" fmla="*/ 784177 h 1568354"/>
+                <a:gd name="connsiteX4" fmla="*/ 1505457 w 2289634"/>
+                <a:gd name="connsiteY4" fmla="*/ 1568354 h 1568354"/>
+                <a:gd name="connsiteX5" fmla="*/ 783 w 2289634"/>
+                <a:gd name="connsiteY5" fmla="*/ 835829 h 1568354"/>
+                <a:gd name="connsiteX6" fmla="*/ 80211 w 2289634"/>
+                <a:gd name="connsiteY6" fmla="*/ 835829 h 1568354"/>
+                <a:gd name="connsiteX7" fmla="*/ 89380 w 2289634"/>
+                <a:gd name="connsiteY7" fmla="*/ 881242 h 1568354"/>
+                <a:gd name="connsiteX8" fmla="*/ 292679 w 2289634"/>
+                <a:gd name="connsiteY8" fmla="*/ 1015998 h 1568354"/>
+                <a:gd name="connsiteX9" fmla="*/ 921967 w 2289634"/>
+                <a:gd name="connsiteY9" fmla="*/ 1015998 h 1568354"/>
+                <a:gd name="connsiteX10" fmla="*/ 1125266 w 2289634"/>
+                <a:gd name="connsiteY10" fmla="*/ 881242 h 1568354"/>
+                <a:gd name="connsiteX11" fmla="*/ 1134435 w 2289634"/>
+                <a:gd name="connsiteY11" fmla="*/ 835829 h 1568354"/>
+                <a:gd name="connsiteX12" fmla="*/ 1381089 w 2289634"/>
+                <a:gd name="connsiteY12" fmla="*/ 835829 h 1568354"/>
+                <a:gd name="connsiteX13" fmla="*/ 1381089 w 2289634"/>
+                <a:gd name="connsiteY13" fmla="*/ 1568354 h 1568354"/>
+                <a:gd name="connsiteX14" fmla="*/ 779753 w 2289634"/>
+                <a:gd name="connsiteY14" fmla="*/ 1568354 h 1568354"/>
+                <a:gd name="connsiteX15" fmla="*/ 11508 w 2289634"/>
+                <a:gd name="connsiteY15" fmla="*/ 942216 h 1568354"/>
+                <a:gd name="connsiteX16" fmla="*/ 0 w 2289634"/>
+                <a:gd name="connsiteY16" fmla="*/ 740295 h 1568354"/>
+                <a:gd name="connsiteX17" fmla="*/ 11508 w 2289634"/>
+                <a:gd name="connsiteY17" fmla="*/ 626138 h 1568354"/>
+                <a:gd name="connsiteX18" fmla="*/ 779753 w 2289634"/>
+                <a:gd name="connsiteY18" fmla="*/ 0 h 1568354"/>
+                <a:gd name="connsiteX19" fmla="*/ 1381089 w 2289634"/>
+                <a:gd name="connsiteY19" fmla="*/ 0 h 1568354"/>
+                <a:gd name="connsiteX20" fmla="*/ 1381089 w 2289634"/>
+                <a:gd name="connsiteY20" fmla="*/ 740295 h 1568354"/>
+                <a:gd name="connsiteX21" fmla="*/ 1131488 w 2289634"/>
+                <a:gd name="connsiteY21" fmla="*/ 740295 h 1568354"/>
+                <a:gd name="connsiteX22" fmla="*/ 1125266 w 2289634"/>
+                <a:gd name="connsiteY22" fmla="*/ 709478 h 1568354"/>
+                <a:gd name="connsiteX23" fmla="*/ 921967 w 2289634"/>
+                <a:gd name="connsiteY23" fmla="*/ 574722 h 1568354"/>
+                <a:gd name="connsiteX24" fmla="*/ 292679 w 2289634"/>
+                <a:gd name="connsiteY24" fmla="*/ 574722 h 1568354"/>
+                <a:gd name="connsiteX25" fmla="*/ 89380 w 2289634"/>
+                <a:gd name="connsiteY25" fmla="*/ 709478 h 1568354"/>
+                <a:gd name="connsiteX26" fmla="*/ 83158 w 2289634"/>
+                <a:gd name="connsiteY26" fmla="*/ 740295 h 1568354"/>
+              </a:gdLst>
+              <a:ahLst/>
+              <a:cxnLst>
+                <a:cxn ang="0">
+                  <a:pos x="connsiteX0" y="connsiteY0"/>
+                </a:cxn>
+                <a:cxn ang="0">
+                  <a:pos x="connsiteX1" y="connsiteY1"/>
+                </a:cxn>
+                <a:cxn ang="0">
+                  <a:pos x="connsiteX2" y="connsiteY2"/>
+                </a:cxn>
+                <a:cxn ang="0">
+                  <a:pos x="connsiteX3" y="connsiteY3"/>
+                </a:cxn>
+                <a:cxn ang="0">
+                  <a:pos x="connsiteX4" y="connsiteY4"/>
+                </a:cxn>
+                <a:cxn ang="0">
+                  <a:pos x="connsiteX5" y="connsiteY5"/>
+                </a:cxn>
+                <a:cxn ang="0">
+                  <a:pos x="connsiteX6" y="connsiteY6"/>
+                </a:cxn>
+                <a:cxn ang="0">
+                  <a:pos x="connsiteX7" y="connsiteY7"/>
+                </a:cxn>
+                <a:cxn ang="0">
+                  <a:pos x="connsiteX8" y="connsiteY8"/>
+                </a:cxn>
+                <a:cxn ang="0">
+                  <a:pos x="connsiteX9" y="connsiteY9"/>
+                </a:cxn>
+                <a:cxn ang="0">
+                  <a:pos x="connsiteX10" y="connsiteY10"/>
+                </a:cxn>
+                <a:cxn ang="0">
+                  <a:pos x="connsiteX11" y="connsiteY11"/>
+                </a:cxn>
+                <a:cxn ang="0">
+                  <a:pos x="connsiteX12" y="connsiteY12"/>
+                </a:cxn>
+                <a:cxn ang="0">
+                  <a:pos x="connsiteX13" y="connsiteY13"/>
+                </a:cxn>
+                <a:cxn ang="0">
+                  <a:pos x="connsiteX14" y="connsiteY14"/>
+                </a:cxn>
+                <a:cxn ang="0">
+                  <a:pos x="connsiteX15" y="connsiteY15"/>
+                </a:cxn>
+                <a:cxn ang="0">
+                  <a:pos x="connsiteX16" y="connsiteY16"/>
+                </a:cxn>
+                <a:cxn ang="0">
+                  <a:pos x="connsiteX17" y="connsiteY17"/>
+                </a:cxn>
+                <a:cxn ang="0">
+                  <a:pos x="connsiteX18" y="connsiteY18"/>
+                </a:cxn>
+                <a:cxn ang="0">
+                  <a:pos x="connsiteX19" y="connsiteY19"/>
+                </a:cxn>
+                <a:cxn ang="0">
+                  <a:pos x="connsiteX20" y="connsiteY20"/>
+                </a:cxn>
+                <a:cxn ang="0">
+                  <a:pos x="connsiteX21" y="connsiteY21"/>
+                </a:cxn>
+                <a:cxn ang="0">
+                  <a:pos x="connsiteX22" y="connsiteY22"/>
+                </a:cxn>
+                <a:cxn ang="0">
+                  <a:pos x="connsiteX23" y="connsiteY23"/>
+                </a:cxn>
+                <a:cxn ang="0">
+                  <a:pos x="connsiteX24" y="connsiteY24"/>
+                </a:cxn>
+                <a:cxn ang="0">
+                  <a:pos x="connsiteX25" y="connsiteY25"/>
+                </a:cxn>
+                <a:cxn ang="0">
+                  <a:pos x="connsiteX26" y="connsiteY26"/>
+                </a:cxn>
+              </a:cxnLst>
+              <a:rect l="l" t="t" r="r" b="b"/>
+              <a:pathLst>
+                <a:path w="2289634" h="1568354">
+                  <a:moveTo>
+                    <a:pt x="1476623" y="1568354"/>
+                  </a:moveTo>
+                  <a:lnTo>
+                    <a:pt x="1476623" y="0"/>
+                  </a:lnTo>
+                  <a:lnTo>
+                    <a:pt x="1505457" y="0"/>
+                  </a:lnTo>
+                  <a:cubicBezTo>
+                    <a:pt x="1938546" y="0"/>
+                    <a:pt x="2289634" y="351088"/>
+                    <a:pt x="2289634" y="784177"/>
+                  </a:cubicBezTo>
+                  <a:cubicBezTo>
+                    <a:pt x="2289634" y="1217266"/>
+                    <a:pt x="1938546" y="1568354"/>
+                    <a:pt x="1505457" y="1568354"/>
+                  </a:cubicBezTo>
+                  <a:close/>
+                  <a:moveTo>
+                    <a:pt x="783" y="835829"/>
+                  </a:moveTo>
+                  <a:lnTo>
+                    <a:pt x="80211" y="835829"/>
+                  </a:lnTo>
+                  <a:lnTo>
+                    <a:pt x="89380" y="881242"/>
+                  </a:lnTo>
+                  <a:cubicBezTo>
+                    <a:pt x="122875" y="960433"/>
+                    <a:pt x="201288" y="1015998"/>
+                    <a:pt x="292679" y="1015998"/>
+                  </a:cubicBezTo>
+                  <a:lnTo>
+                    <a:pt x="921967" y="1015998"/>
+                  </a:lnTo>
+                  <a:cubicBezTo>
+                    <a:pt x="1013358" y="1015998"/>
+                    <a:pt x="1091772" y="960433"/>
+                    <a:pt x="1125266" y="881242"/>
+                  </a:cubicBezTo>
+                  <a:lnTo>
+                    <a:pt x="1134435" y="835829"/>
+                  </a:lnTo>
+                  <a:lnTo>
+                    <a:pt x="1381089" y="835829"/>
+                  </a:lnTo>
+                  <a:lnTo>
+                    <a:pt x="1381089" y="1568354"/>
+                  </a:lnTo>
+                  <a:lnTo>
+                    <a:pt x="779753" y="1568354"/>
+                  </a:lnTo>
+                  <a:cubicBezTo>
+                    <a:pt x="400800" y="1568354"/>
+                    <a:pt x="84629" y="1299552"/>
+                    <a:pt x="11508" y="942216"/>
+                  </a:cubicBezTo>
+                  <a:close/>
+                  <a:moveTo>
+                    <a:pt x="0" y="740295"/>
+                  </a:moveTo>
+                  <a:lnTo>
+                    <a:pt x="11508" y="626138"/>
+                  </a:lnTo>
+                  <a:cubicBezTo>
+                    <a:pt x="84629" y="268802"/>
+                    <a:pt x="400800" y="0"/>
+                    <a:pt x="779753" y="0"/>
+                  </a:cubicBezTo>
+                  <a:lnTo>
+                    <a:pt x="1381089" y="0"/>
+                  </a:lnTo>
+                  <a:lnTo>
+                    <a:pt x="1381089" y="740295"/>
+                  </a:lnTo>
+                  <a:lnTo>
+                    <a:pt x="1131488" y="740295"/>
+                  </a:lnTo>
+                  <a:lnTo>
+                    <a:pt x="1125266" y="709478"/>
+                  </a:lnTo>
+                  <a:cubicBezTo>
+                    <a:pt x="1091772" y="630288"/>
+                    <a:pt x="1013358" y="574722"/>
+                    <a:pt x="921967" y="574722"/>
+                  </a:cubicBezTo>
+                  <a:lnTo>
+                    <a:pt x="292679" y="574722"/>
+                  </a:lnTo>
+                  <a:cubicBezTo>
+                    <a:pt x="201288" y="574722"/>
+                    <a:pt x="122875" y="630288"/>
+                    <a:pt x="89380" y="709478"/>
+                  </a:cubicBezTo>
+                  <a:lnTo>
+                    <a:pt x="83158" y="740295"/>
+                  </a:lnTo>
+                  <a:close/>
+                </a:path>
+              </a:pathLst>
+            </a:custGeom>
+            <a:solidFill>
+              <a:schemeClr val="tx1"/>
+            </a:solidFill>
+            <a:ln>
+              <a:noFill/>
+            </a:ln>
+          </p:spPr>
+          <p:style>
+            <a:lnRef idx="2">
+              <a:schemeClr val="accent1">
+                <a:shade val="15000"/>
+              </a:schemeClr>
+            </a:lnRef>
+            <a:fillRef idx="1">
+              <a:schemeClr val="accent1"/>
+            </a:fillRef>
+            <a:effectRef idx="0">
+              <a:schemeClr val="accent1"/>
+            </a:effectRef>
+            <a:fontRef idx="minor">
+              <a:schemeClr val="lt1"/>
+            </a:fontRef>
+          </p:style>
+          <p:txBody>
+            <a:bodyPr wrap="square" rtlCol="0" anchor="ctr">
+              <a:noAutofit/>
+            </a:bodyPr>
+            <a:lstStyle/>
+            <a:p>
+              <a:pPr algn="ctr"/>
+              <a:endParaRPr kumimoji="1" lang="ja-JP" altLang="en-US"/>
+            </a:p>
+          </p:txBody>
+        </p:sp>
+        <p:sp>
+          <p:nvSpPr>
+            <p:cNvPr id="6" name="四角形: 角を丸くする 5">
+              <a:extLst>
+                <a:ext uri="{FF2B5EF4-FFF2-40B4-BE49-F238E27FC236}">
+                  <a16:creationId xmlns:a16="http://schemas.microsoft.com/office/drawing/2014/main" id="{425CAC80-CDBE-F8BD-172E-17EE7FC68FAA}"/>
+                </a:ext>
+              </a:extLst>
+            </p:cNvPr>
+            <p:cNvSpPr/>
+            <p:nvPr/>
+          </p:nvSpPr>
+          <p:spPr>
+            <a:xfrm rot="5400000">
+              <a:off x="5896876" y="2770212"/>
+              <a:ext cx="836494" cy="252482"/>
+            </a:xfrm>
+            <a:prstGeom prst="roundRect">
+              <a:avLst>
+                <a:gd name="adj" fmla="val 50000"/>
+              </a:avLst>
+            </a:prstGeom>
+            <a:solidFill>
+              <a:schemeClr val="tx1"/>
+            </a:solidFill>
+            <a:ln>
+              <a:noFill/>
+            </a:ln>
+          </p:spPr>
+          <p:style>
+            <a:lnRef idx="2">
+              <a:schemeClr val="accent1">
+                <a:shade val="15000"/>
+              </a:schemeClr>
+            </a:lnRef>
+            <a:fillRef idx="1">
+              <a:schemeClr val="accent1"/>
+            </a:fillRef>
+            <a:effectRef idx="0">
+              <a:schemeClr val="accent1"/>
+            </a:effectRef>
+            <a:fontRef idx="minor">
+              <a:schemeClr val="lt1"/>
+            </a:fontRef>
+          </p:style>
+          <p:txBody>
+            <a:bodyPr rtlCol="0" anchor="ctr"/>
+            <a:lstStyle/>
+            <a:p>
+              <a:pPr algn="ctr"/>
+              <a:endParaRPr kumimoji="1" lang="ja-JP" altLang="en-US"/>
+            </a:p>
+          </p:txBody>
+        </p:sp>
+      </p:grpSp>
     </p:spTree>
     <p:extLst>
       <p:ext uri="{BB962C8B-B14F-4D97-AF65-F5344CB8AC3E}">
@@ -1214,7 +2549,7 @@
 </p:sld>
 </file>
 
-<file path=ppt/slides/slide13.xml><?xml version="1.0" encoding="utf-8"?>
+<file path=ppt/slides/slide15.xml><?xml version="1.0" encoding="utf-8"?>
 <p:sld xmlns:a="http://schemas.openxmlformats.org/drawingml/2006/main" xmlns:r="http://schemas.openxmlformats.org/officeDocument/2006/relationships" xmlns:p="http://schemas.openxmlformats.org/presentationml/2006/main">
   <p:cSld>
     <p:spTree>
@@ -1304,7 +2639,7 @@
             <a:pPr algn="ctr"/>
             <a:r>
               <a:rPr lang="en-US" altLang="ja-JP" sz="2000" b="1" dirty="0"/>
-              <a:t>7</a:t>
+              <a:t>8</a:t>
             </a:r>
             <a:r>
               <a:rPr kumimoji="1" lang="en-US" altLang="ja-JP" sz="2000" b="1" dirty="0"/>
@@ -1386,7 +2721,7 @@
 </p:sld>
 </file>
 
-<file path=ppt/slides/slide14.xml><?xml version="1.0" encoding="utf-8"?>
+<file path=ppt/slides/slide16.xml><?xml version="1.0" encoding="utf-8"?>
 <p:sld xmlns:a="http://schemas.openxmlformats.org/drawingml/2006/main" xmlns:r="http://schemas.openxmlformats.org/officeDocument/2006/relationships" xmlns:p="http://schemas.openxmlformats.org/presentationml/2006/main">
   <p:cSld>
     <p:spTree>
@@ -1541,13 +2876,9 @@
             <a:pPr algn="ctr"/>
             <a:r>
               <a:rPr lang="en-US" altLang="ja-JP" sz="2000" b="1" dirty="0"/>
-              <a:t>7</a:t>
+              <a:t>8. take screenshot</a:t>
             </a:r>
-            <a:r>
-              <a:rPr kumimoji="1" lang="en-US" altLang="ja-JP" sz="2000" b="1" dirty="0"/>
-              <a:t>. take screenshot</a:t>
-            </a:r>
-            <a:endParaRPr kumimoji="1" lang="ja-JP" altLang="en-US" sz="2000" b="1" dirty="0"/>
+            <a:endParaRPr lang="ja-JP" altLang="en-US" sz="2000" b="1" dirty="0"/>
           </a:p>
         </p:txBody>
       </p:sp>
@@ -1623,7 +2954,7 @@
 </p:sld>
 </file>
 
-<file path=ppt/slides/slide15.xml><?xml version="1.0" encoding="utf-8"?>
+<file path=ppt/slides/slide17.xml><?xml version="1.0" encoding="utf-8"?>
 <p:sld xmlns:a="http://schemas.openxmlformats.org/drawingml/2006/main" xmlns:r="http://schemas.openxmlformats.org/officeDocument/2006/relationships" xmlns:p="http://schemas.openxmlformats.org/presentationml/2006/main">
   <p:cSld>
     <p:spTree>
@@ -1712,8 +3043,12 @@
           <a:p>
             <a:pPr algn="ctr"/>
             <a:r>
+              <a:rPr lang="en-US" altLang="ja-JP" sz="2000" b="1" dirty="0"/>
+              <a:t>9</a:t>
+            </a:r>
+            <a:r>
               <a:rPr kumimoji="1" lang="en-US" altLang="ja-JP" sz="2000" b="1" dirty="0"/>
-              <a:t>8. paste it to your slide</a:t>
+              <a:t>. paste it to your slide</a:t>
             </a:r>
             <a:endParaRPr kumimoji="1" lang="ja-JP" altLang="en-US" sz="2000" b="1" dirty="0"/>
           </a:p>
@@ -1732,7 +3067,7 @@
 </p:sld>
 </file>
 
-<file path=ppt/slides/slide16.xml><?xml version="1.0" encoding="utf-8"?>
+<file path=ppt/slides/slide18.xml><?xml version="1.0" encoding="utf-8"?>
 <p:sld xmlns:a="http://schemas.openxmlformats.org/drawingml/2006/main" xmlns:r="http://schemas.openxmlformats.org/officeDocument/2006/relationships" xmlns:p="http://schemas.openxmlformats.org/presentationml/2006/main">
   <p:cSld>
     <p:spTree>
@@ -1821,10 +3156,10 @@
           <a:p>
             <a:pPr algn="ctr"/>
             <a:r>
-              <a:rPr kumimoji="1" lang="en-US" altLang="ja-JP" sz="2000" b="1" dirty="0"/>
-              <a:t>8. paste it to your slide</a:t>
+              <a:rPr lang="en-US" altLang="ja-JP" sz="2000" b="1" dirty="0"/>
+              <a:t>9. paste it to your slide</a:t>
             </a:r>
-            <a:endParaRPr kumimoji="1" lang="ja-JP" altLang="en-US" sz="2000" b="1" dirty="0"/>
+            <a:endParaRPr lang="ja-JP" altLang="en-US" sz="2000" b="1" dirty="0"/>
           </a:p>
         </p:txBody>
       </p:sp>
@@ -3095,7 +4430,7 @@
         <p:cNvPr id="1" name="">
           <a:extLst>
             <a:ext uri="{FF2B5EF4-FFF2-40B4-BE49-F238E27FC236}">
-              <a16:creationId xmlns:a16="http://schemas.microsoft.com/office/drawing/2014/main" id="{AAEB6960-73C9-4FC8-125C-793592FAD781}"/>
+              <a16:creationId xmlns:a16="http://schemas.microsoft.com/office/drawing/2014/main" id="{53ADCEEA-F2C3-7FD0-4786-008E65CFF25E}"/>
             </a:ext>
           </a:extLst>
         </p:cNvPr>
@@ -3115,7 +4450,7 @@
           <p:cNvPr id="5" name="図 4" descr="アイコン が含まれている画像&#10;&#10;AI によって生成されたコンテンツは間違っている可能性があります。">
             <a:extLst>
               <a:ext uri="{FF2B5EF4-FFF2-40B4-BE49-F238E27FC236}">
-                <a16:creationId xmlns:a16="http://schemas.microsoft.com/office/drawing/2014/main" id="{4DBD54D8-8E41-E479-97BF-E556EBFCB33B}"/>
+                <a16:creationId xmlns:a16="http://schemas.microsoft.com/office/drawing/2014/main" id="{52F65E10-028B-8959-738A-523D4D0F0B2A}"/>
               </a:ext>
             </a:extLst>
           </p:cNvPr>
@@ -3151,7 +4486,7 @@
           <p:cNvPr id="3" name="テキスト ボックス 2">
             <a:extLst>
               <a:ext uri="{FF2B5EF4-FFF2-40B4-BE49-F238E27FC236}">
-                <a16:creationId xmlns:a16="http://schemas.microsoft.com/office/drawing/2014/main" id="{CC56D666-FE7F-C99B-2A9C-1B9ABBA6B54F}"/>
+                <a16:creationId xmlns:a16="http://schemas.microsoft.com/office/drawing/2014/main" id="{304C8B93-7CB7-4A46-6D9C-05047A57013C}"/>
               </a:ext>
             </a:extLst>
           </p:cNvPr>
@@ -3160,8 +4495,8 @@
         </p:nvSpPr>
         <p:spPr>
           <a:xfrm>
-            <a:off x="4347129" y="577868"/>
-            <a:ext cx="3497752" cy="400110"/>
+            <a:off x="3686470" y="577868"/>
+            <a:ext cx="4819076" cy="400110"/>
           </a:xfrm>
           <a:prstGeom prst="rect">
             <a:avLst/>
@@ -3177,7 +4512,11 @@
             <a:pPr algn="ctr"/>
             <a:r>
               <a:rPr kumimoji="1" lang="en-US" altLang="ja-JP" sz="2000" b="1" dirty="0"/>
-              <a:t>5. set your favorite pose</a:t>
+              <a:t>5. </a:t>
+            </a:r>
+            <a:r>
+              <a:rPr lang="en-US" altLang="ja-JP" sz="2000" b="1" dirty="0"/>
+              <a:t>long push to handle wide range</a:t>
             </a:r>
             <a:endParaRPr kumimoji="1" lang="ja-JP" altLang="en-US" sz="2000" b="1" dirty="0"/>
           </a:p>
@@ -3185,10 +4524,10 @@
       </p:sp>
       <p:sp>
         <p:nvSpPr>
-          <p:cNvPr id="8" name="矢印: 左カーブ 7">
-            <a:extLst>
-              <a:ext uri="{FF2B5EF4-FFF2-40B4-BE49-F238E27FC236}">
-                <a16:creationId xmlns:a16="http://schemas.microsoft.com/office/drawing/2014/main" id="{760C96BA-94B9-C29F-ECB9-4ABE4C039C0D}"/>
+          <p:cNvPr id="2" name="矢印: 右 1">
+            <a:extLst>
+              <a:ext uri="{FF2B5EF4-FFF2-40B4-BE49-F238E27FC236}">
+                <a16:creationId xmlns:a16="http://schemas.microsoft.com/office/drawing/2014/main" id="{C90EF2D5-6771-E9E6-53B4-3F48EA57BB61}"/>
               </a:ext>
             </a:extLst>
           </p:cNvPr>
@@ -3196,11 +4535,11 @@
           <p:nvPr/>
         </p:nvSpPr>
         <p:spPr>
-          <a:xfrm flipV="1">
-            <a:off x="7785102" y="3238501"/>
-            <a:ext cx="905913" cy="1460460"/>
-          </a:xfrm>
-          <a:prstGeom prst="curvedLeftArrow">
+          <a:xfrm rot="9702248">
+            <a:off x="7062712" y="3495849"/>
+            <a:ext cx="516096" cy="560147"/>
+          </a:xfrm>
+          <a:prstGeom prst="rightArrow">
             <a:avLst/>
           </a:prstGeom>
           <a:solidFill>
@@ -3238,20 +4577,16 @@
           <a:lstStyle/>
           <a:p>
             <a:pPr algn="ctr"/>
-            <a:endParaRPr kumimoji="1" lang="ja-JP" altLang="en-US">
-              <a:solidFill>
-                <a:schemeClr val="tx1"/>
-              </a:solidFill>
-            </a:endParaRPr>
+            <a:endParaRPr kumimoji="1" lang="ja-JP" altLang="en-US"/>
           </a:p>
         </p:txBody>
       </p:sp>
       <p:sp>
         <p:nvSpPr>
-          <p:cNvPr id="9" name="矢印: 左カーブ 8">
-            <a:extLst>
-              <a:ext uri="{FF2B5EF4-FFF2-40B4-BE49-F238E27FC236}">
-                <a16:creationId xmlns:a16="http://schemas.microsoft.com/office/drawing/2014/main" id="{AC0640D1-9C80-6D24-F73D-330AF332A863}"/>
+          <p:cNvPr id="4" name="四角形: 角を丸くする 3">
+            <a:extLst>
+              <a:ext uri="{FF2B5EF4-FFF2-40B4-BE49-F238E27FC236}">
+                <a16:creationId xmlns:a16="http://schemas.microsoft.com/office/drawing/2014/main" id="{6D22DF0F-4348-9D7B-F11D-1F911D793ED7}"/>
               </a:ext>
             </a:extLst>
           </p:cNvPr>
@@ -3259,26 +4594,23 @@
           <p:nvPr/>
         </p:nvSpPr>
         <p:spPr>
-          <a:xfrm flipH="1">
-            <a:off x="3500988" y="3238500"/>
-            <a:ext cx="905912" cy="1460461"/>
-          </a:xfrm>
-          <a:prstGeom prst="curvedLeftArrow">
-            <a:avLst/>
+          <a:xfrm rot="2681838">
+            <a:off x="6474464" y="3722886"/>
+            <a:ext cx="576977" cy="261979"/>
+          </a:xfrm>
+          <a:prstGeom prst="roundRect">
+            <a:avLst>
+              <a:gd name="adj" fmla="val 50000"/>
+            </a:avLst>
           </a:prstGeom>
           <a:solidFill>
-            <a:srgbClr val="D1B00D"/>
+            <a:srgbClr val="FFFFFF">
+              <a:alpha val="30196"/>
+            </a:srgbClr>
           </a:solidFill>
           <a:ln>
             <a:noFill/>
           </a:ln>
-          <a:effectLst>
-            <a:outerShdw blurRad="50800" dist="38100" dir="2700000" algn="tl" rotWithShape="0">
-              <a:prstClr val="black">
-                <a:alpha val="40000"/>
-              </a:prstClr>
-            </a:outerShdw>
-          </a:effectLst>
         </p:spPr>
         <p:style>
           <a:lnRef idx="2">
@@ -3301,18 +4633,14 @@
           <a:lstStyle/>
           <a:p>
             <a:pPr algn="ctr"/>
-            <a:endParaRPr kumimoji="1" lang="ja-JP" altLang="en-US">
-              <a:solidFill>
-                <a:schemeClr val="tx1"/>
-              </a:solidFill>
-            </a:endParaRPr>
+            <a:endParaRPr kumimoji="1" lang="ja-JP" altLang="en-US"/>
           </a:p>
         </p:txBody>
       </p:sp>
     </p:spTree>
     <p:extLst>
       <p:ext uri="{BB962C8B-B14F-4D97-AF65-F5344CB8AC3E}">
-        <p14:creationId xmlns:p14="http://schemas.microsoft.com/office/powerpoint/2010/main" val="116240206"/>
+        <p14:creationId xmlns:p14="http://schemas.microsoft.com/office/powerpoint/2010/main" val="1393597298"/>
       </p:ext>
     </p:extLst>
   </p:cSld>
